--- a/Individual Options.pptx
+++ b/Individual Options.pptx
@@ -16345,8 +16345,8 @@
         </p:nvSpPr>
         <p:spPr>
           <a:xfrm>
-            <a:off x="933452" y="3253967"/>
-            <a:ext cx="5801884" cy="650100"/>
+            <a:off x="933452" y="3253966"/>
+            <a:ext cx="5801884" cy="1149591"/>
           </a:xfrm>
           <a:prstGeom prst="rect">
             <a:avLst/>
@@ -16377,6 +16377,17 @@
             <a:r>
               <a:rPr lang="en" sz="1400" dirty="0"/>
               <a:t>DAAA / FT / 2B / O4</a:t>
+            </a:r>
+          </a:p>
+          <a:p>
+            <a:pPr marL="0" indent="0">
+              <a:lnSpc>
+                <a:spcPct val="150000"/>
+              </a:lnSpc>
+            </a:pPr>
+            <a:r>
+              <a:rPr lang="en" sz="1400" dirty="0"/>
+              <a:t>Group 5</a:t>
             </a:r>
             <a:endParaRPr lang="en-US" sz="1400" dirty="0"/>
           </a:p>
@@ -21240,23 +21251,6 @@
 </file>
 
 <file path=customXml/item1.xml><?xml version="1.0" encoding="utf-8"?>
-<?mso-contentType ?>
-<FormTemplates xmlns="http://schemas.microsoft.com/sharepoint/v3/contenttype/forms">
-  <Display>DocumentLibraryForm</Display>
-  <Edit>DocumentLibraryForm</Edit>
-  <New>DocumentLibraryForm</New>
-</FormTemplates>
-</file>
-
-<file path=customXml/item2.xml><?xml version="1.0" encoding="utf-8"?>
-<p:properties xmlns:p="http://schemas.microsoft.com/office/2006/metadata/properties" xmlns:xsi="http://www.w3.org/2001/XMLSchema-instance" xmlns:pc="http://schemas.microsoft.com/office/infopath/2007/PartnerControls">
-  <documentManagement>
-    <_activity xmlns="c47168d0-be34-42b2-a9a2-79b9ac9e352a" xsi:nil="true"/>
-  </documentManagement>
-</p:properties>
-</file>
-
-<file path=customXml/item3.xml><?xml version="1.0" encoding="utf-8"?>
 <ct:contentTypeSchema xmlns:ct="http://schemas.microsoft.com/office/2006/metadata/contentType" xmlns:ma="http://schemas.microsoft.com/office/2006/metadata/properties/metaAttributes" ct:_="" ma:_="" ma:contentTypeName="Document" ma:contentTypeID="0x0101009C3C8A1A3305B74F9D575418AD4E1EC5" ma:contentTypeVersion="17" ma:contentTypeDescription="Create a new document." ma:contentTypeScope="" ma:versionID="7255bb28bbadc05e128c15c1bd87d653">
   <xsd:schema xmlns:xsd="http://www.w3.org/2001/XMLSchema" xmlns:xs="http://www.w3.org/2001/XMLSchema" xmlns:p="http://schemas.microsoft.com/office/2006/metadata/properties" xmlns:ns3="c47168d0-be34-42b2-a9a2-79b9ac9e352a" xmlns:ns4="7bcc944a-fec8-4ab8-beaa-a3ce9d28f6a6" targetNamespace="http://schemas.microsoft.com/office/2006/metadata/properties" ma:root="true" ma:fieldsID="3fe30204cd04845bce0d248230cf81a9" ns3:_="" ns4:_="">
     <xsd:import namespace="c47168d0-be34-42b2-a9a2-79b9ac9e352a"/>
@@ -21503,10 +21497,38 @@
 </ct:contentTypeSchema>
 </file>
 
+<file path=customXml/item2.xml><?xml version="1.0" encoding="utf-8"?>
+<p:properties xmlns:p="http://schemas.microsoft.com/office/2006/metadata/properties" xmlns:xsi="http://www.w3.org/2001/XMLSchema-instance" xmlns:pc="http://schemas.microsoft.com/office/infopath/2007/PartnerControls">
+  <documentManagement>
+    <_activity xmlns="c47168d0-be34-42b2-a9a2-79b9ac9e352a" xsi:nil="true"/>
+  </documentManagement>
+</p:properties>
+</file>
+
+<file path=customXml/item3.xml><?xml version="1.0" encoding="utf-8"?>
+<?mso-contentType ?>
+<FormTemplates xmlns="http://schemas.microsoft.com/sharepoint/v3/contenttype/forms">
+  <Display>DocumentLibraryForm</Display>
+  <Edit>DocumentLibraryForm</Edit>
+  <New>DocumentLibraryForm</New>
+</FormTemplates>
+</file>
+
 <file path=customXml/itemProps1.xml><?xml version="1.0" encoding="utf-8"?>
-<ds:datastoreItem xmlns:ds="http://schemas.openxmlformats.org/officeDocument/2006/customXml" ds:itemID="{0B1B65BE-1732-48FC-9316-FC7CFA735734}">
+<ds:datastoreItem xmlns:ds="http://schemas.openxmlformats.org/officeDocument/2006/customXml" ds:itemID="{7916DDBC-8AF9-45DB-A6F5-961E17D34963}">
   <ds:schemaRefs>
-    <ds:schemaRef ds:uri="http://schemas.microsoft.com/sharepoint/v3/contenttype/forms"/>
+    <ds:schemaRef ds:uri="http://schemas.microsoft.com/office/2006/metadata/contentType"/>
+    <ds:schemaRef ds:uri="http://schemas.microsoft.com/office/2006/metadata/properties/metaAttributes"/>
+    <ds:schemaRef ds:uri="http://www.w3.org/2001/XMLSchema"/>
+    <ds:schemaRef ds:uri="http://schemas.microsoft.com/office/2006/metadata/properties"/>
+    <ds:schemaRef ds:uri="c47168d0-be34-42b2-a9a2-79b9ac9e352a"/>
+    <ds:schemaRef ds:uri="7bcc944a-fec8-4ab8-beaa-a3ce9d28f6a6"/>
+    <ds:schemaRef ds:uri="http://schemas.microsoft.com/office/2006/documentManagement/types"/>
+    <ds:schemaRef ds:uri="http://schemas.microsoft.com/office/infopath/2007/PartnerControls"/>
+    <ds:schemaRef ds:uri="http://schemas.openxmlformats.org/package/2006/metadata/core-properties"/>
+    <ds:schemaRef ds:uri="http://purl.org/dc/elements/1.1/"/>
+    <ds:schemaRef ds:uri="http://purl.org/dc/terms/"/>
+    <ds:schemaRef ds:uri="http://schemas.microsoft.com/internal/obd"/>
   </ds:schemaRefs>
 </ds:datastoreItem>
 </file>
@@ -21529,20 +21551,9 @@
 </file>
 
 <file path=customXml/itemProps3.xml><?xml version="1.0" encoding="utf-8"?>
-<ds:datastoreItem xmlns:ds="http://schemas.openxmlformats.org/officeDocument/2006/customXml" ds:itemID="{7916DDBC-8AF9-45DB-A6F5-961E17D34963}">
+<ds:datastoreItem xmlns:ds="http://schemas.openxmlformats.org/officeDocument/2006/customXml" ds:itemID="{0B1B65BE-1732-48FC-9316-FC7CFA735734}">
   <ds:schemaRefs>
-    <ds:schemaRef ds:uri="http://schemas.microsoft.com/office/2006/metadata/contentType"/>
-    <ds:schemaRef ds:uri="http://schemas.microsoft.com/office/2006/metadata/properties/metaAttributes"/>
-    <ds:schemaRef ds:uri="http://www.w3.org/2001/XMLSchema"/>
-    <ds:schemaRef ds:uri="http://schemas.microsoft.com/office/2006/metadata/properties"/>
-    <ds:schemaRef ds:uri="c47168d0-be34-42b2-a9a2-79b9ac9e352a"/>
-    <ds:schemaRef ds:uri="7bcc944a-fec8-4ab8-beaa-a3ce9d28f6a6"/>
-    <ds:schemaRef ds:uri="http://schemas.microsoft.com/office/2006/documentManagement/types"/>
-    <ds:schemaRef ds:uri="http://schemas.microsoft.com/office/infopath/2007/PartnerControls"/>
-    <ds:schemaRef ds:uri="http://schemas.openxmlformats.org/package/2006/metadata/core-properties"/>
-    <ds:schemaRef ds:uri="http://purl.org/dc/elements/1.1/"/>
-    <ds:schemaRef ds:uri="http://purl.org/dc/terms/"/>
-    <ds:schemaRef ds:uri="http://schemas.microsoft.com/internal/obd"/>
+    <ds:schemaRef ds:uri="http://schemas.microsoft.com/sharepoint/v3/contenttype/forms"/>
   </ds:schemaRefs>
 </ds:datastoreItem>
 </file>